--- a/class01/LearnToCodeForWomenClass01.pptx
+++ b/class01/LearnToCodeForWomenClass01.pptx
@@ -5,7 +5,7 @@
     <p:sldMasterId id="2147483648" r:id="rId1"/>
   </p:sldMasterIdLst>
   <p:notesMasterIdLst>
-    <p:notesMasterId r:id="rId15"/>
+    <p:notesMasterId r:id="rId19"/>
   </p:notesMasterIdLst>
   <p:sldIdLst>
     <p:sldId id="256" r:id="rId2"/>
@@ -21,6 +21,10 @@
     <p:sldId id="266" r:id="rId12"/>
     <p:sldId id="268" r:id="rId13"/>
     <p:sldId id="267" r:id="rId14"/>
+    <p:sldId id="269" r:id="rId15"/>
+    <p:sldId id="271" r:id="rId16"/>
+    <p:sldId id="270" r:id="rId17"/>
+    <p:sldId id="272" r:id="rId18"/>
   </p:sldIdLst>
   <p:sldSz cx="9144000" cy="6858000" type="screen4x3"/>
   <p:notesSz cx="6858000" cy="9144000"/>
@@ -4358,6 +4362,708 @@
   <p:clrMapOvr>
     <a:masterClrMapping/>
   </p:clrMapOvr>
+  <p:timing>
+    <p:tnLst>
+      <p:par>
+        <p:cTn xmlns:p14="http://schemas.microsoft.com/office/powerpoint/2010/main" id="1" dur="indefinite" restart="never" nodeType="tmRoot"/>
+      </p:par>
+    </p:tnLst>
+  </p:timing>
+</p:sld>
+</file>
+
+<file path=ppt/slides/slide14.xml><?xml version="1.0" encoding="utf-8"?>
+<p:sld xmlns:a="http://schemas.openxmlformats.org/drawingml/2006/main" xmlns:r="http://schemas.openxmlformats.org/officeDocument/2006/relationships" xmlns:p="http://schemas.openxmlformats.org/presentationml/2006/main">
+  <p:cSld>
+    <p:spTree>
+      <p:nvGrpSpPr>
+        <p:cNvPr id="1" name=""/>
+        <p:cNvGrpSpPr/>
+        <p:nvPr/>
+      </p:nvGrpSpPr>
+      <p:grpSpPr>
+        <a:xfrm>
+          <a:off x="0" y="0"/>
+          <a:ext cx="0" cy="0"/>
+          <a:chOff x="0" y="0"/>
+          <a:chExt cx="0" cy="0"/>
+        </a:xfrm>
+      </p:grpSpPr>
+      <p:sp>
+        <p:nvSpPr>
+          <p:cNvPr id="2" name="Title 1"/>
+          <p:cNvSpPr>
+            <a:spLocks noGrp="1"/>
+          </p:cNvSpPr>
+          <p:nvPr>
+            <p:ph type="title"/>
+          </p:nvPr>
+        </p:nvSpPr>
+        <p:spPr/>
+        <p:txBody>
+          <a:bodyPr>
+            <a:normAutofit/>
+          </a:bodyPr>
+          <a:lstStyle/>
+          <a:p>
+            <a:r>
+              <a:rPr lang="en-US" sz="2800" dirty="0" smtClean="0"/>
+              <a:t>Setting up your cloud learning environment </a:t>
+            </a:r>
+            <a:r>
+              <a:rPr lang="mr-IN" sz="2800" dirty="0" smtClean="0"/>
+              <a:t>–</a:t>
+            </a:r>
+            <a:r>
+              <a:rPr lang="en-US" sz="2800" dirty="0" smtClean="0"/>
+              <a:t> </a:t>
+            </a:r>
+            <a:br>
+              <a:rPr lang="en-US" sz="2800" dirty="0" smtClean="0"/>
+            </a:br>
+            <a:r>
+              <a:rPr lang="en-US" sz="2800" dirty="0" smtClean="0"/>
+              <a:t>Final Step Create Python Workspace.</a:t>
+            </a:r>
+            <a:endParaRPr lang="en-US" sz="2800" dirty="0"/>
+          </a:p>
+        </p:txBody>
+      </p:sp>
+      <p:pic>
+        <p:nvPicPr>
+          <p:cNvPr id="5" name="Picture 4" descr="Screen Shot 2019-12-23 at 2.43.25 PM.png"/>
+          <p:cNvPicPr>
+            <a:picLocks noChangeAspect="1"/>
+          </p:cNvPicPr>
+          <p:nvPr/>
+        </p:nvPicPr>
+        <p:blipFill>
+          <a:blip r:embed="rId2">
+            <a:extLst>
+              <a:ext uri="{28A0092B-C50C-407E-A947-70E740481C1C}">
+                <a14:useLocalDpi xmlns:a14="http://schemas.microsoft.com/office/drawing/2010/main" val="0"/>
+              </a:ext>
+            </a:extLst>
+          </a:blip>
+          <a:stretch>
+            <a:fillRect/>
+          </a:stretch>
+        </p:blipFill>
+        <p:spPr>
+          <a:xfrm>
+            <a:off x="1666372" y="1226996"/>
+            <a:ext cx="5997726" cy="5149227"/>
+          </a:xfrm>
+          <a:prstGeom prst="rect">
+            <a:avLst/>
+          </a:prstGeom>
+        </p:spPr>
+      </p:pic>
+      <p:sp>
+        <p:nvSpPr>
+          <p:cNvPr id="6" name="Right Arrow 5"/>
+          <p:cNvSpPr/>
+          <p:nvPr/>
+        </p:nvSpPr>
+        <p:spPr>
+          <a:xfrm>
+            <a:off x="2894083" y="3096551"/>
+            <a:ext cx="810204" cy="423378"/>
+          </a:xfrm>
+          <a:prstGeom prst="rightArrow">
+            <a:avLst/>
+          </a:prstGeom>
+          <a:solidFill>
+            <a:srgbClr val="FFFF00"/>
+          </a:solidFill>
+          <a:ln w="57150" cmpd="sng">
+            <a:solidFill>
+              <a:schemeClr val="tx1"/>
+            </a:solidFill>
+          </a:ln>
+        </p:spPr>
+        <p:style>
+          <a:lnRef idx="1">
+            <a:schemeClr val="accent1"/>
+          </a:lnRef>
+          <a:fillRef idx="3">
+            <a:schemeClr val="accent1"/>
+          </a:fillRef>
+          <a:effectRef idx="2">
+            <a:schemeClr val="accent1"/>
+          </a:effectRef>
+          <a:fontRef idx="minor">
+            <a:schemeClr val="lt1"/>
+          </a:fontRef>
+        </p:style>
+        <p:txBody>
+          <a:bodyPr rtlCol="0" anchor="ctr"/>
+          <a:lstStyle/>
+          <a:p>
+            <a:pPr algn="ctr"/>
+            <a:endParaRPr lang="en-US" dirty="0"/>
+          </a:p>
+        </p:txBody>
+      </p:sp>
+      <p:sp>
+        <p:nvSpPr>
+          <p:cNvPr id="7" name="Right Arrow 6"/>
+          <p:cNvSpPr/>
+          <p:nvPr/>
+        </p:nvSpPr>
+        <p:spPr>
+          <a:xfrm>
+            <a:off x="3069263" y="5782814"/>
+            <a:ext cx="810204" cy="423378"/>
+          </a:xfrm>
+          <a:prstGeom prst="rightArrow">
+            <a:avLst/>
+          </a:prstGeom>
+          <a:solidFill>
+            <a:srgbClr val="FFFF00"/>
+          </a:solidFill>
+          <a:ln w="57150" cmpd="sng">
+            <a:solidFill>
+              <a:schemeClr val="tx1"/>
+            </a:solidFill>
+          </a:ln>
+        </p:spPr>
+        <p:style>
+          <a:lnRef idx="1">
+            <a:schemeClr val="accent1"/>
+          </a:lnRef>
+          <a:fillRef idx="3">
+            <a:schemeClr val="accent1"/>
+          </a:fillRef>
+          <a:effectRef idx="2">
+            <a:schemeClr val="accent1"/>
+          </a:effectRef>
+          <a:fontRef idx="minor">
+            <a:schemeClr val="lt1"/>
+          </a:fontRef>
+        </p:style>
+        <p:txBody>
+          <a:bodyPr rtlCol="0" anchor="ctr"/>
+          <a:lstStyle/>
+          <a:p>
+            <a:pPr algn="ctr"/>
+            <a:endParaRPr lang="en-US" dirty="0"/>
+          </a:p>
+        </p:txBody>
+      </p:sp>
+    </p:spTree>
+    <p:extLst>
+      <p:ext uri="{BB962C8B-B14F-4D97-AF65-F5344CB8AC3E}">
+        <p14:creationId xmlns:p14="http://schemas.microsoft.com/office/powerpoint/2010/main" val="2691673423"/>
+      </p:ext>
+    </p:extLst>
+  </p:cSld>
+  <p:clrMapOvr>
+    <a:masterClrMapping/>
+  </p:clrMapOvr>
+  <p:timing>
+    <p:tnLst>
+      <p:par>
+        <p:cTn xmlns:p14="http://schemas.microsoft.com/office/powerpoint/2010/main" id="1" dur="indefinite" restart="never" nodeType="tmRoot"/>
+      </p:par>
+    </p:tnLst>
+  </p:timing>
+</p:sld>
+</file>
+
+<file path=ppt/slides/slide15.xml><?xml version="1.0" encoding="utf-8"?>
+<p:sld xmlns:a="http://schemas.openxmlformats.org/drawingml/2006/main" xmlns:r="http://schemas.openxmlformats.org/officeDocument/2006/relationships" xmlns:p="http://schemas.openxmlformats.org/presentationml/2006/main">
+  <p:cSld>
+    <p:spTree>
+      <p:nvGrpSpPr>
+        <p:cNvPr id="1" name=""/>
+        <p:cNvGrpSpPr/>
+        <p:nvPr/>
+      </p:nvGrpSpPr>
+      <p:grpSpPr>
+        <a:xfrm>
+          <a:off x="0" y="0"/>
+          <a:ext cx="0" cy="0"/>
+          <a:chOff x="0" y="0"/>
+          <a:chExt cx="0" cy="0"/>
+        </a:xfrm>
+      </p:grpSpPr>
+      <p:sp>
+        <p:nvSpPr>
+          <p:cNvPr id="2" name="Title 1"/>
+          <p:cNvSpPr>
+            <a:spLocks noGrp="1"/>
+          </p:cNvSpPr>
+          <p:nvPr>
+            <p:ph type="title"/>
+          </p:nvPr>
+        </p:nvSpPr>
+        <p:spPr/>
+        <p:txBody>
+          <a:bodyPr>
+            <a:normAutofit/>
+          </a:bodyPr>
+          <a:lstStyle/>
+          <a:p>
+            <a:r>
+              <a:rPr lang="en-US" sz="2800" dirty="0" smtClean="0"/>
+              <a:t>Setting up your cloud learning environment </a:t>
+            </a:r>
+            <a:r>
+              <a:rPr lang="mr-IN" sz="2800" dirty="0" smtClean="0"/>
+              <a:t>–</a:t>
+            </a:r>
+            <a:r>
+              <a:rPr lang="en-US" sz="2800" dirty="0" smtClean="0"/>
+              <a:t> </a:t>
+            </a:r>
+            <a:br>
+              <a:rPr lang="en-US" sz="2800" dirty="0" smtClean="0"/>
+            </a:br>
+            <a:r>
+              <a:rPr lang="en-US" sz="2800" dirty="0" smtClean="0"/>
+              <a:t>Final Step Create Python Workspace.</a:t>
+            </a:r>
+            <a:endParaRPr lang="en-US" sz="2800" dirty="0"/>
+          </a:p>
+        </p:txBody>
+      </p:sp>
+      <p:pic>
+        <p:nvPicPr>
+          <p:cNvPr id="3" name="Picture 2" descr="Screen Shot 2019-12-23 at 2.42.02 PM.png"/>
+          <p:cNvPicPr>
+            <a:picLocks noChangeAspect="1"/>
+          </p:cNvPicPr>
+          <p:nvPr/>
+        </p:nvPicPr>
+        <p:blipFill>
+          <a:blip r:embed="rId2">
+            <a:extLst>
+              <a:ext uri="{28A0092B-C50C-407E-A947-70E740481C1C}">
+                <a14:useLocalDpi xmlns:a14="http://schemas.microsoft.com/office/drawing/2010/main" val="0"/>
+              </a:ext>
+            </a:extLst>
+          </a:blip>
+          <a:stretch>
+            <a:fillRect/>
+          </a:stretch>
+        </p:blipFill>
+        <p:spPr>
+          <a:xfrm>
+            <a:off x="662397" y="1538530"/>
+            <a:ext cx="8481603" cy="4088851"/>
+          </a:xfrm>
+          <a:prstGeom prst="rect">
+            <a:avLst/>
+          </a:prstGeom>
+        </p:spPr>
+      </p:pic>
+    </p:spTree>
+    <p:extLst>
+      <p:ext uri="{BB962C8B-B14F-4D97-AF65-F5344CB8AC3E}">
+        <p14:creationId xmlns:p14="http://schemas.microsoft.com/office/powerpoint/2010/main" val="2120636846"/>
+      </p:ext>
+    </p:extLst>
+  </p:cSld>
+  <p:clrMapOvr>
+    <a:masterClrMapping/>
+  </p:clrMapOvr>
+  <p:timing>
+    <p:tnLst>
+      <p:par>
+        <p:cTn xmlns:p14="http://schemas.microsoft.com/office/powerpoint/2010/main" id="1" dur="indefinite" restart="never" nodeType="tmRoot"/>
+      </p:par>
+    </p:tnLst>
+  </p:timing>
+</p:sld>
+</file>
+
+<file path=ppt/slides/slide16.xml><?xml version="1.0" encoding="utf-8"?>
+<p:sld xmlns:a="http://schemas.openxmlformats.org/drawingml/2006/main" xmlns:r="http://schemas.openxmlformats.org/officeDocument/2006/relationships" xmlns:p="http://schemas.openxmlformats.org/presentationml/2006/main">
+  <p:cSld>
+    <p:spTree>
+      <p:nvGrpSpPr>
+        <p:cNvPr id="1" name=""/>
+        <p:cNvGrpSpPr/>
+        <p:nvPr/>
+      </p:nvGrpSpPr>
+      <p:grpSpPr>
+        <a:xfrm>
+          <a:off x="0" y="0"/>
+          <a:ext cx="0" cy="0"/>
+          <a:chOff x="0" y="0"/>
+          <a:chExt cx="0" cy="0"/>
+        </a:xfrm>
+      </p:grpSpPr>
+      <p:sp>
+        <p:nvSpPr>
+          <p:cNvPr id="2" name="Title 1"/>
+          <p:cNvSpPr>
+            <a:spLocks noGrp="1"/>
+          </p:cNvSpPr>
+          <p:nvPr>
+            <p:ph type="title"/>
+          </p:nvPr>
+        </p:nvSpPr>
+        <p:spPr/>
+        <p:txBody>
+          <a:bodyPr>
+            <a:normAutofit/>
+          </a:bodyPr>
+          <a:lstStyle/>
+          <a:p>
+            <a:r>
+              <a:rPr lang="en-US" sz="2800" dirty="0" smtClean="0"/>
+              <a:t>Setting up your cloud learning environment </a:t>
+            </a:r>
+            <a:r>
+              <a:rPr lang="mr-IN" sz="2800" dirty="0" smtClean="0"/>
+              <a:t>–</a:t>
+            </a:r>
+            <a:r>
+              <a:rPr lang="en-US" sz="2800" dirty="0" smtClean="0"/>
+              <a:t> </a:t>
+            </a:r>
+            <a:br>
+              <a:rPr lang="en-US" sz="2800" dirty="0" smtClean="0"/>
+            </a:br>
+            <a:r>
+              <a:rPr lang="en-US" sz="2800" dirty="0" smtClean="0"/>
+              <a:t>Final Step Create Python Workspace.</a:t>
+            </a:r>
+            <a:endParaRPr lang="en-US" sz="2800" dirty="0"/>
+          </a:p>
+        </p:txBody>
+      </p:sp>
+      <p:pic>
+        <p:nvPicPr>
+          <p:cNvPr id="3" name="Picture 2" descr="Screen Shot 2019-12-23 at 2.45.45 PM.png"/>
+          <p:cNvPicPr>
+            <a:picLocks noChangeAspect="1"/>
+          </p:cNvPicPr>
+          <p:nvPr/>
+        </p:nvPicPr>
+        <p:blipFill>
+          <a:blip r:embed="rId2">
+            <a:extLst>
+              <a:ext uri="{28A0092B-C50C-407E-A947-70E740481C1C}">
+                <a14:useLocalDpi xmlns:a14="http://schemas.microsoft.com/office/drawing/2010/main" val="0"/>
+              </a:ext>
+            </a:extLst>
+          </a:blip>
+          <a:stretch>
+            <a:fillRect/>
+          </a:stretch>
+        </p:blipFill>
+        <p:spPr>
+          <a:xfrm>
+            <a:off x="646978" y="1417638"/>
+            <a:ext cx="7832196" cy="5221464"/>
+          </a:xfrm>
+          <a:prstGeom prst="rect">
+            <a:avLst/>
+          </a:prstGeom>
+        </p:spPr>
+      </p:pic>
+      <p:sp>
+        <p:nvSpPr>
+          <p:cNvPr id="4" name="Right Arrow 3"/>
+          <p:cNvSpPr/>
+          <p:nvPr/>
+        </p:nvSpPr>
+        <p:spPr>
+          <a:xfrm>
+            <a:off x="835725" y="2293592"/>
+            <a:ext cx="810204" cy="423378"/>
+          </a:xfrm>
+          <a:prstGeom prst="rightArrow">
+            <a:avLst/>
+          </a:prstGeom>
+          <a:solidFill>
+            <a:srgbClr val="FFFF00"/>
+          </a:solidFill>
+          <a:ln w="57150" cmpd="sng">
+            <a:solidFill>
+              <a:schemeClr val="tx1"/>
+            </a:solidFill>
+          </a:ln>
+        </p:spPr>
+        <p:style>
+          <a:lnRef idx="1">
+            <a:schemeClr val="accent1"/>
+          </a:lnRef>
+          <a:fillRef idx="3">
+            <a:schemeClr val="accent1"/>
+          </a:fillRef>
+          <a:effectRef idx="2">
+            <a:schemeClr val="accent1"/>
+          </a:effectRef>
+          <a:fontRef idx="minor">
+            <a:schemeClr val="lt1"/>
+          </a:fontRef>
+        </p:style>
+        <p:txBody>
+          <a:bodyPr rtlCol="0" anchor="ctr"/>
+          <a:lstStyle/>
+          <a:p>
+            <a:pPr algn="ctr"/>
+            <a:endParaRPr lang="en-US" dirty="0"/>
+          </a:p>
+        </p:txBody>
+      </p:sp>
+      <p:sp>
+        <p:nvSpPr>
+          <p:cNvPr id="5" name="Right Arrow 4"/>
+          <p:cNvSpPr/>
+          <p:nvPr/>
+        </p:nvSpPr>
+        <p:spPr>
+          <a:xfrm rot="10800000">
+            <a:off x="3280055" y="5665743"/>
+            <a:ext cx="810204" cy="423378"/>
+          </a:xfrm>
+          <a:prstGeom prst="rightArrow">
+            <a:avLst/>
+          </a:prstGeom>
+          <a:solidFill>
+            <a:srgbClr val="FFFF00"/>
+          </a:solidFill>
+          <a:ln w="57150" cmpd="sng">
+            <a:solidFill>
+              <a:schemeClr val="tx1"/>
+            </a:solidFill>
+          </a:ln>
+        </p:spPr>
+        <p:style>
+          <a:lnRef idx="1">
+            <a:schemeClr val="accent1"/>
+          </a:lnRef>
+          <a:fillRef idx="3">
+            <a:schemeClr val="accent1"/>
+          </a:fillRef>
+          <a:effectRef idx="2">
+            <a:schemeClr val="accent1"/>
+          </a:effectRef>
+          <a:fontRef idx="minor">
+            <a:schemeClr val="lt1"/>
+          </a:fontRef>
+        </p:style>
+        <p:txBody>
+          <a:bodyPr rtlCol="0" anchor="ctr"/>
+          <a:lstStyle/>
+          <a:p>
+            <a:pPr algn="ctr"/>
+            <a:endParaRPr lang="en-US" dirty="0"/>
+          </a:p>
+        </p:txBody>
+      </p:sp>
+    </p:spTree>
+    <p:extLst>
+      <p:ext uri="{BB962C8B-B14F-4D97-AF65-F5344CB8AC3E}">
+        <p14:creationId xmlns:p14="http://schemas.microsoft.com/office/powerpoint/2010/main" val="4127344937"/>
+      </p:ext>
+    </p:extLst>
+  </p:cSld>
+  <p:clrMapOvr>
+    <a:masterClrMapping/>
+  </p:clrMapOvr>
+  <p:timing>
+    <p:tnLst>
+      <p:par>
+        <p:cTn xmlns:p14="http://schemas.microsoft.com/office/powerpoint/2010/main" id="1" dur="indefinite" restart="never" nodeType="tmRoot"/>
+      </p:par>
+    </p:tnLst>
+  </p:timing>
+</p:sld>
+</file>
+
+<file path=ppt/slides/slide17.xml><?xml version="1.0" encoding="utf-8"?>
+<p:sld xmlns:a="http://schemas.openxmlformats.org/drawingml/2006/main" xmlns:r="http://schemas.openxmlformats.org/officeDocument/2006/relationships" xmlns:p="http://schemas.openxmlformats.org/presentationml/2006/main">
+  <p:cSld>
+    <p:spTree>
+      <p:nvGrpSpPr>
+        <p:cNvPr id="1" name=""/>
+        <p:cNvGrpSpPr/>
+        <p:nvPr/>
+      </p:nvGrpSpPr>
+      <p:grpSpPr>
+        <a:xfrm>
+          <a:off x="0" y="0"/>
+          <a:ext cx="0" cy="0"/>
+          <a:chOff x="0" y="0"/>
+          <a:chExt cx="0" cy="0"/>
+        </a:xfrm>
+      </p:grpSpPr>
+      <p:sp>
+        <p:nvSpPr>
+          <p:cNvPr id="2" name="Title 1"/>
+          <p:cNvSpPr>
+            <a:spLocks noGrp="1"/>
+          </p:cNvSpPr>
+          <p:nvPr>
+            <p:ph type="title"/>
+          </p:nvPr>
+        </p:nvSpPr>
+        <p:spPr/>
+        <p:txBody>
+          <a:bodyPr>
+            <a:normAutofit fontScale="90000"/>
+          </a:bodyPr>
+          <a:lstStyle/>
+          <a:p>
+            <a:r>
+              <a:rPr lang="en-US" dirty="0" smtClean="0"/>
+              <a:t>Next Week Seven Concepts</a:t>
+            </a:r>
+            <a:br>
+              <a:rPr lang="en-US" dirty="0" smtClean="0"/>
+            </a:br>
+            <a:endParaRPr lang="en-US" dirty="0"/>
+          </a:p>
+        </p:txBody>
+      </p:sp>
+      <p:sp>
+        <p:nvSpPr>
+          <p:cNvPr id="3" name="Rectangle 2"/>
+          <p:cNvSpPr/>
+          <p:nvPr/>
+        </p:nvSpPr>
+        <p:spPr>
+          <a:xfrm>
+            <a:off x="807559" y="1141763"/>
+            <a:ext cx="8029056" cy="5016758"/>
+          </a:xfrm>
+          <a:prstGeom prst="rect">
+            <a:avLst/>
+          </a:prstGeom>
+        </p:spPr>
+        <p:txBody>
+          <a:bodyPr wrap="square">
+            <a:spAutoFit/>
+          </a:bodyPr>
+          <a:lstStyle/>
+          <a:p>
+            <a:r>
+              <a:rPr lang="en-US" sz="2000" dirty="0" smtClean="0"/>
+              <a:t>Next Week we will explain the seven key concepts of programming.</a:t>
+            </a:r>
+          </a:p>
+          <a:p>
+            <a:endParaRPr lang="en-US" sz="2000" dirty="0" smtClean="0"/>
+          </a:p>
+          <a:p>
+            <a:pPr marL="342900" indent="-342900">
+              <a:buFont typeface="+mj-lt"/>
+              <a:buAutoNum type="arabicPeriod"/>
+            </a:pPr>
+            <a:r>
+              <a:rPr lang="en-US" sz="2000" dirty="0" smtClean="0"/>
+              <a:t>Data Storage Variables. </a:t>
+            </a:r>
+            <a:br>
+              <a:rPr lang="en-US" sz="2000" dirty="0" smtClean="0"/>
+            </a:br>
+            <a:endParaRPr lang="en-US" sz="2000" dirty="0" smtClean="0"/>
+          </a:p>
+          <a:p>
+            <a:pPr marL="342900" indent="-342900">
+              <a:buFont typeface="+mj-lt"/>
+              <a:buAutoNum type="arabicPeriod"/>
+            </a:pPr>
+            <a:r>
+              <a:rPr lang="en-US" sz="2000" dirty="0" smtClean="0"/>
+              <a:t>Control - Conditional statements (“if” statements) ...</a:t>
+            </a:r>
+            <a:br>
+              <a:rPr lang="en-US" sz="2000" dirty="0" smtClean="0"/>
+            </a:br>
+            <a:endParaRPr lang="en-US" sz="2000" dirty="0" smtClean="0"/>
+          </a:p>
+          <a:p>
+            <a:pPr marL="342900" indent="-342900">
+              <a:buFont typeface="+mj-lt"/>
+              <a:buAutoNum type="arabicPeriod"/>
+            </a:pPr>
+            <a:r>
+              <a:rPr lang="en-US" sz="2000" dirty="0" smtClean="0"/>
+              <a:t>Control - Looping and iteration. ...</a:t>
+            </a:r>
+            <a:br>
+              <a:rPr lang="en-US" sz="2000" dirty="0" smtClean="0"/>
+            </a:br>
+            <a:endParaRPr lang="en-US" sz="2000" dirty="0" smtClean="0"/>
+          </a:p>
+          <a:p>
+            <a:pPr marL="342900" indent="-342900">
+              <a:buFont typeface="+mj-lt"/>
+              <a:buAutoNum type="arabicPeriod"/>
+            </a:pPr>
+            <a:r>
+              <a:rPr lang="en-US" sz="2000" dirty="0" smtClean="0"/>
+              <a:t>Data Representation - Data types and data structures. ...</a:t>
+            </a:r>
+            <a:br>
+              <a:rPr lang="en-US" sz="2000" dirty="0" smtClean="0"/>
+            </a:br>
+            <a:endParaRPr lang="en-US" sz="2000" dirty="0" smtClean="0"/>
+          </a:p>
+          <a:p>
+            <a:pPr marL="342900" indent="-342900">
+              <a:buFont typeface="+mj-lt"/>
+              <a:buAutoNum type="arabicPeriod"/>
+            </a:pPr>
+            <a:r>
+              <a:rPr lang="en-US" sz="2000" dirty="0" smtClean="0"/>
+              <a:t>Control - Functions.</a:t>
+            </a:r>
+            <a:br>
+              <a:rPr lang="en-US" sz="2000" dirty="0" smtClean="0"/>
+            </a:br>
+            <a:endParaRPr lang="en-US" sz="2000" dirty="0" smtClean="0"/>
+          </a:p>
+          <a:p>
+            <a:pPr marL="342900" indent="-342900">
+              <a:buFont typeface="+mj-lt"/>
+              <a:buAutoNum type="arabicPeriod"/>
+            </a:pPr>
+            <a:r>
+              <a:rPr lang="en-US" sz="2000" dirty="0" smtClean="0"/>
+              <a:t>Statements</a:t>
+            </a:r>
+            <a:br>
+              <a:rPr lang="en-US" sz="2000" dirty="0" smtClean="0"/>
+            </a:br>
+            <a:endParaRPr lang="en-US" sz="2000" dirty="0" smtClean="0"/>
+          </a:p>
+          <a:p>
+            <a:pPr marL="342900" indent="-342900">
+              <a:buFont typeface="+mj-lt"/>
+              <a:buAutoNum type="arabicPeriod"/>
+            </a:pPr>
+            <a:r>
+              <a:rPr lang="en-US" sz="2000" dirty="0" smtClean="0"/>
+              <a:t>Expressions</a:t>
+            </a:r>
+          </a:p>
+          <a:p>
+            <a:pPr marL="342900" indent="-342900">
+              <a:buFont typeface="+mj-lt"/>
+              <a:buAutoNum type="arabicPeriod"/>
+            </a:pPr>
+            <a:endParaRPr lang="en-US" sz="2000" dirty="0" smtClean="0"/>
+          </a:p>
+        </p:txBody>
+      </p:sp>
+    </p:spTree>
+    <p:extLst>
+      <p:ext uri="{BB962C8B-B14F-4D97-AF65-F5344CB8AC3E}">
+        <p14:creationId xmlns:p14="http://schemas.microsoft.com/office/powerpoint/2010/main" val="1462965850"/>
+      </p:ext>
+    </p:extLst>
+  </p:cSld>
+  <p:clrMapOvr>
+    <a:masterClrMapping/>
+  </p:clrMapOvr>
 </p:sld>
 </file>
 
@@ -4410,7 +5116,7 @@
         <p:spPr>
           <a:xfrm>
             <a:off x="832102" y="1737311"/>
-            <a:ext cx="7518116" cy="3693319"/>
+            <a:ext cx="7518116" cy="4801314"/>
           </a:xfrm>
           <a:prstGeom prst="rect">
             <a:avLst/>
@@ -4509,8 +5215,34 @@
             </a:pPr>
             <a:r>
               <a:rPr lang="en-US" sz="2400" dirty="0" smtClean="0"/>
-              <a:t>Running your first program.</a:t>
-            </a:r>
+              <a:t>Running your first program.	</a:t>
+            </a:r>
+            <a:br>
+              <a:rPr lang="en-US" sz="2400" dirty="0" smtClean="0"/>
+            </a:br>
+            <a:endParaRPr lang="en-US" sz="2400" dirty="0" smtClean="0"/>
+          </a:p>
+          <a:p>
+            <a:pPr marL="285750" indent="-285750">
+              <a:buFont typeface="Arial"/>
+              <a:buChar char="•"/>
+            </a:pPr>
+            <a:r>
+              <a:rPr lang="en-US" sz="2400" dirty="0" smtClean="0"/>
+              <a:t>Next Week </a:t>
+            </a:r>
+            <a:r>
+              <a:rPr lang="en-US" sz="2400" smtClean="0"/>
+              <a:t>Seven Concepts</a:t>
+            </a:r>
+            <a:endParaRPr lang="en-US" sz="2400" dirty="0" smtClean="0"/>
+          </a:p>
+          <a:p>
+            <a:pPr marL="285750" indent="-285750">
+              <a:buFont typeface="Arial"/>
+              <a:buChar char="•"/>
+            </a:pPr>
+            <a:endParaRPr lang="en-US" sz="2400" dirty="0" smtClean="0"/>
           </a:p>
           <a:p>
             <a:pPr marL="285750" indent="-285750">
